--- a/Major Project Phase 2.pptx
+++ b/Major Project Phase 2.pptx
@@ -278,7 +278,7 @@
       </p15:sldGuideLst>
     </p:ext>
     <p:ext uri="http://customooxmlschemas.google.com/">
-      <go:slidesCustomData xmlns:go="http://customooxmlschemas.google.com/" xmlns:ahyp="http://schemas.microsoft.com/office/drawing/2018/hyperlinkcolor" xmlns:p15="http://schemas.microsoft.com/office/powerpoint/2012/main" xmlns:p14="http://schemas.microsoft.com/office/powerpoint/2010/main" xmlns:com="http://schemas.openxmlformats.org/drawingml/2006/compatibility" xmlns:pvml="urn:schemas-microsoft-com:office:powerpoint" xmlns:v="urn:schemas-microsoft-com:vml" xmlns:o="urn:schemas-microsoft-com:office:office" xmlns:dgm="http://schemas.openxmlformats.org/drawingml/2006/diagram" xmlns:c="http://schemas.openxmlformats.org/drawingml/2006/chart" xmlns:mv="urn:schemas-microsoft-com:mac:vml" xmlns:mc="http://schemas.openxmlformats.org/markup-compatibility/2006" xmlns="" r:id="rId27" roundtripDataSignature="AMtx7mgy/2J7UUeIi1zSLH86HjEC1lEpCQ=="/>
+      <go:slidesCustomData xmlns="" xmlns:mc="http://schemas.openxmlformats.org/markup-compatibility/2006" xmlns:mv="urn:schemas-microsoft-com:mac:vml" xmlns:c="http://schemas.openxmlformats.org/drawingml/2006/chart" xmlns:dgm="http://schemas.openxmlformats.org/drawingml/2006/diagram" xmlns:o="urn:schemas-microsoft-com:office:office" xmlns:v="urn:schemas-microsoft-com:vml" xmlns:pvml="urn:schemas-microsoft-com:office:powerpoint" xmlns:com="http://schemas.openxmlformats.org/drawingml/2006/compatibility" xmlns:p14="http://schemas.microsoft.com/office/powerpoint/2010/main" xmlns:p15="http://schemas.microsoft.com/office/powerpoint/2012/main" xmlns:ahyp="http://schemas.microsoft.com/office/drawing/2018/hyperlinkcolor" xmlns:go="http://customooxmlschemas.google.com/" r:id="rId27" roundtripDataSignature="AMtx7mgy/2J7UUeIi1zSLH86HjEC1lEpCQ=="/>
     </p:ext>
   </p:extLst>
 </p:presentation>
@@ -8216,7 +8216,63 @@
                 <a:latin typeface="Times New Roman" pitchFamily="18" charset="0"/>
                 <a:cs typeface="Times New Roman" pitchFamily="18" charset="0"/>
               </a:rPr>
-              <a:t>: Used for detecting PM10 and PM2.5 levels in air. Figure below shows the working principle of PM2.5 sensor.</a:t>
+              <a:t>: Used for detecting PM10 and PM2.5 levels in air. </a:t>
+            </a:r>
+          </a:p>
+          <a:p>
+            <a:pPr marL="114300" indent="0">
+              <a:lnSpc>
+                <a:spcPct val="150000"/>
+              </a:lnSpc>
+              <a:buNone/>
+            </a:pPr>
+            <a:r>
+              <a:rPr lang="en-US" b="1" dirty="0">
+                <a:solidFill>
+                  <a:schemeClr val="tx1"/>
+                </a:solidFill>
+                <a:latin typeface="Times New Roman" pitchFamily="18" charset="0"/>
+                <a:cs typeface="Times New Roman" pitchFamily="18" charset="0"/>
+              </a:rPr>
+              <a:t>Ammonia Sensor: </a:t>
+            </a:r>
+            <a:r>
+              <a:rPr lang="en-US" dirty="0">
+                <a:solidFill>
+                  <a:schemeClr val="tx1"/>
+                </a:solidFill>
+                <a:latin typeface="Times New Roman" pitchFamily="18" charset="0"/>
+                <a:cs typeface="Times New Roman" pitchFamily="18" charset="0"/>
+              </a:rPr>
+              <a:t>It is used to detect concentration of ammonia in the atmosphere.</a:t>
+            </a:r>
+          </a:p>
+          <a:p>
+            <a:pPr marL="114300" indent="0">
+              <a:lnSpc>
+                <a:spcPct val="150000"/>
+              </a:lnSpc>
+              <a:buNone/>
+            </a:pPr>
+            <a:r>
+              <a:rPr lang="en-US" b="1" dirty="0">
+                <a:solidFill>
+                  <a:schemeClr val="tx1"/>
+                </a:solidFill>
+                <a:latin typeface="Times New Roman" pitchFamily="18" charset="0"/>
+                <a:cs typeface="Times New Roman" pitchFamily="18" charset="0"/>
+              </a:rPr>
+              <a:t>CO Sensor</a:t>
+            </a:r>
+            <a:r>
+              <a:rPr lang="en-US" dirty="0">
+                <a:solidFill>
+                  <a:schemeClr val="tx1"/>
+                </a:solidFill>
+                <a:latin typeface="Times New Roman" pitchFamily="18" charset="0"/>
+                <a:cs typeface="Times New Roman" pitchFamily="18" charset="0"/>
+              </a:rPr>
+              <a:t>: It is used to measure carbon monoxide in the atmosphere</a:t>
             </a:r>
             <a:endParaRPr lang="en-IN" dirty="0">
               <a:solidFill>
@@ -8228,53 +8284,6 @@
           </a:p>
         </p:txBody>
       </p:sp>
-      <p:pic>
-        <p:nvPicPr>
-          <p:cNvPr id="2050" name="Picture 2" descr="PM2.5 Sensor Working">
-            <a:extLst>
-              <a:ext uri="{FF2B5EF4-FFF2-40B4-BE49-F238E27FC236}">
-                <a16:creationId xmlns:a16="http://schemas.microsoft.com/office/drawing/2014/main" id="{23FF4F98-E654-9D58-81A6-8E9F1656F91F}"/>
-              </a:ext>
-            </a:extLst>
-          </p:cNvPr>
-          <p:cNvPicPr>
-            <a:picLocks noChangeAspect="1" noChangeArrowheads="1"/>
-          </p:cNvPicPr>
-          <p:nvPr/>
-        </p:nvPicPr>
-        <p:blipFill>
-          <a:blip r:embed="rId2">
-            <a:extLst>
-              <a:ext uri="{28A0092B-C50C-407E-A947-70E740481C1C}">
-                <a14:useLocalDpi xmlns:a14="http://schemas.microsoft.com/office/drawing/2010/main" val="0"/>
-              </a:ext>
-            </a:extLst>
-          </a:blip>
-          <a:srcRect/>
-          <a:stretch>
-            <a:fillRect/>
-          </a:stretch>
-        </p:blipFill>
-        <p:spPr bwMode="auto">
-          <a:xfrm>
-            <a:off x="1659320" y="2318875"/>
-            <a:ext cx="5825359" cy="2572464"/>
-          </a:xfrm>
-          <a:prstGeom prst="rect">
-            <a:avLst/>
-          </a:prstGeom>
-          <a:noFill/>
-          <a:extLst>
-            <a:ext uri="{909E8E84-426E-40DD-AFC4-6F175D3DCCD1}">
-              <a14:hiddenFill xmlns:a14="http://schemas.microsoft.com/office/drawing/2010/main">
-                <a:solidFill>
-                  <a:srgbClr val="FFFFFF"/>
-                </a:solidFill>
-              </a14:hiddenFill>
-            </a:ext>
-          </a:extLst>
-        </p:spPr>
-      </p:pic>
     </p:spTree>
     <p:extLst>
       <p:ext uri="{BB962C8B-B14F-4D97-AF65-F5344CB8AC3E}">
@@ -10168,9 +10177,21 @@
                 <a:cs typeface="Times New Roman"/>
                 <a:sym typeface="Times New Roman"/>
               </a:rPr>
-              <a:t>the AQI level and noise foulness in</a:t>
+              <a:t>the AQI level of the </a:t>
             </a:r>
-            <a:endParaRPr sz="1800" dirty="0">
+          </a:p>
+          <a:p>
+            <a:pPr marL="0" lvl="0" indent="0" algn="just" rtl="0">
+              <a:spcBef>
+                <a:spcPts val="0"/>
+              </a:spcBef>
+              <a:spcAft>
+                <a:spcPts val="0"/>
+              </a:spcAft>
+              <a:buSzPts val="1800"/>
+              <a:buNone/>
+            </a:pPr>
+            <a:endParaRPr lang="en" dirty="0">
               <a:solidFill>
                 <a:schemeClr val="dk1"/>
               </a:solidFill>
@@ -10183,73 +10204,7 @@
           <a:p>
             <a:pPr marL="0" lvl="0" indent="0" algn="just" rtl="0">
               <a:spcBef>
-                <a:spcPts val="1200"/>
-              </a:spcBef>
-              <a:spcAft>
-                <a:spcPts val="0"/>
-              </a:spcAft>
-              <a:buSzPts val="1800"/>
-              <a:buNone/>
-            </a:pPr>
-            <a:r>
-              <a:rPr lang="en" sz="1800" dirty="0">
-                <a:solidFill>
-                  <a:schemeClr val="dk1"/>
-                </a:solidFill>
-                <a:latin typeface="Times New Roman"/>
-                <a:ea typeface="Times New Roman"/>
-                <a:cs typeface="Times New Roman"/>
-                <a:sym typeface="Times New Roman"/>
-              </a:rPr>
-              <a:t>the environment to make surrounding more rational and more interactive with the</a:t>
-            </a:r>
-            <a:endParaRPr sz="1800" dirty="0">
-              <a:solidFill>
-                <a:schemeClr val="dk1"/>
-              </a:solidFill>
-              <a:latin typeface="Times New Roman"/>
-              <a:ea typeface="Times New Roman"/>
-              <a:cs typeface="Times New Roman"/>
-              <a:sym typeface="Times New Roman"/>
-            </a:endParaRPr>
-          </a:p>
-          <a:p>
-            <a:pPr marL="0" lvl="0" indent="0" algn="just" rtl="0">
-              <a:spcBef>
-                <a:spcPts val="1200"/>
-              </a:spcBef>
-              <a:spcAft>
-                <a:spcPts val="0"/>
-              </a:spcAft>
-              <a:buSzPts val="1800"/>
-              <a:buNone/>
-            </a:pPr>
-            <a:r>
-              <a:rPr lang="en" sz="1800" dirty="0">
-                <a:solidFill>
-                  <a:schemeClr val="dk1"/>
-                </a:solidFill>
-                <a:latin typeface="Times New Roman"/>
-                <a:ea typeface="Times New Roman"/>
-                <a:cs typeface="Times New Roman"/>
-                <a:sym typeface="Times New Roman"/>
-              </a:rPr>
-              <a:t>objects through wireless communication.</a:t>
-            </a:r>
-            <a:endParaRPr sz="1800" dirty="0">
-              <a:solidFill>
-                <a:schemeClr val="dk1"/>
-              </a:solidFill>
-              <a:latin typeface="Times New Roman"/>
-              <a:ea typeface="Times New Roman"/>
-              <a:cs typeface="Times New Roman"/>
-              <a:sym typeface="Times New Roman"/>
-            </a:endParaRPr>
-          </a:p>
-          <a:p>
-            <a:pPr marL="0" lvl="0" indent="0" algn="just" rtl="0">
-              <a:spcBef>
-                <a:spcPts val="1200"/>
+                <a:spcPts val="0"/>
               </a:spcBef>
               <a:spcAft>
                 <a:spcPts val="0"/>
@@ -10301,40 +10256,7 @@
                 <a:cs typeface="Times New Roman"/>
                 <a:sym typeface="Times New Roman"/>
               </a:rPr>
-              <a:t>At Level 1, Sensors for Temperature, Gas ,Sound ,Rain, Humidity and Pressure</a:t>
-            </a:r>
-            <a:endParaRPr sz="1800" dirty="0">
-              <a:solidFill>
-                <a:schemeClr val="dk1"/>
-              </a:solidFill>
-              <a:latin typeface="Times New Roman"/>
-              <a:ea typeface="Times New Roman"/>
-              <a:cs typeface="Times New Roman"/>
-              <a:sym typeface="Times New Roman"/>
-            </a:endParaRPr>
-          </a:p>
-          <a:p>
-            <a:pPr marL="0" lvl="0" indent="0" algn="just" rtl="0">
-              <a:spcBef>
-                <a:spcPts val="1200"/>
-              </a:spcBef>
-              <a:spcAft>
-                <a:spcPts val="0"/>
-              </a:spcAft>
-              <a:buSzPts val="1800"/>
-              <a:buNone/>
-            </a:pPr>
-            <a:r>
-              <a:rPr lang="en" sz="1800" dirty="0">
-                <a:solidFill>
-                  <a:schemeClr val="dk1"/>
-                </a:solidFill>
-                <a:latin typeface="Times New Roman"/>
-                <a:ea typeface="Times New Roman"/>
-                <a:cs typeface="Times New Roman"/>
-                <a:sym typeface="Times New Roman"/>
-              </a:rPr>
-              <a:t>     will give appropriate data.</a:t>
+              <a:t>At Level 1, Sensors for Temperature, Gas, Humidity, Ammonia, Carbon monoxide and Pressure will give appropriate data.</a:t>
             </a:r>
             <a:endParaRPr sz="1800" dirty="0">
               <a:latin typeface="Times New Roman"/>
@@ -10423,7 +10345,7 @@
                 <a:cs typeface="Times New Roman"/>
                 <a:sym typeface="Times New Roman"/>
               </a:rPr>
-              <a:t>At Level 3, Data will be stored in the server and will be provided for future usage.</a:t>
+              <a:t>At Level 3, Data will be stored in the ThinkSpeak server and will be provided for future usage.</a:t>
             </a:r>
             <a:endParaRPr sz="1800" dirty="0">
               <a:solidFill>
@@ -10515,7 +10437,7 @@
                 <a:cs typeface="Times New Roman"/>
                 <a:sym typeface="Times New Roman"/>
               </a:rPr>
-              <a:t>At Level 4, All the gathered data will be used to train the model using various regression techniques like Linear Regression , Random Forest Regression , XGBoost Regressor , KNN regression, Decision Tree Regression technique.</a:t>
+              <a:t>At Level 4, All the gathered data will be used to train the model using various regression techniques like Linear Regression, Random Forest Regression, KNN regression, Decision Tree Regression technique.</a:t>
             </a:r>
             <a:endParaRPr sz="1800" dirty="0">
               <a:solidFill>
@@ -10695,39 +10617,12 @@
       </p:sp>
       <p:pic>
         <p:nvPicPr>
-          <p:cNvPr id="158" name="Google Shape;158;p12"/>
-          <p:cNvPicPr preferRelativeResize="0"/>
-          <p:nvPr/>
-        </p:nvPicPr>
-        <p:blipFill rotWithShape="1">
-          <a:blip r:embed="rId3">
-            <a:alphaModFix/>
-          </a:blip>
-          <a:srcRect/>
-          <a:stretch/>
-        </p:blipFill>
-        <p:spPr>
-          <a:xfrm>
-            <a:off x="922150" y="827800"/>
-            <a:ext cx="6670151" cy="4154400"/>
-          </a:xfrm>
-          <a:prstGeom prst="rect">
-            <a:avLst/>
-          </a:prstGeom>
-          <a:noFill/>
-          <a:ln>
-            <a:noFill/>
-          </a:ln>
-        </p:spPr>
-      </p:pic>
-      <p:pic>
-        <p:nvPicPr>
           <p:cNvPr id="159" name="Google Shape;159;p12"/>
           <p:cNvPicPr preferRelativeResize="0"/>
           <p:nvPr/>
         </p:nvPicPr>
         <p:blipFill>
-          <a:blip r:embed="rId4">
+          <a:blip r:embed="rId3">
             <a:alphaModFix/>
           </a:blip>
           <a:stretch>
@@ -10748,64 +10643,53 @@
           </a:ln>
         </p:spPr>
       </p:pic>
-      <p:sp>
-        <p:nvSpPr>
-          <p:cNvPr id="160" name="Google Shape;160;p12"/>
-          <p:cNvSpPr txBox="1"/>
+      <p:pic>
+        <p:nvPicPr>
+          <p:cNvPr id="1028" name="Picture 4">
+            <a:extLst>
+              <a:ext uri="{FF2B5EF4-FFF2-40B4-BE49-F238E27FC236}">
+                <a16:creationId xmlns:a16="http://schemas.microsoft.com/office/drawing/2014/main" id="{BC75A568-8D4C-AE73-AFCD-B82613B4149C}"/>
+              </a:ext>
+            </a:extLst>
+          </p:cNvPr>
+          <p:cNvPicPr>
+            <a:picLocks noChangeAspect="1" noChangeArrowheads="1"/>
+          </p:cNvPicPr>
           <p:nvPr/>
-        </p:nvSpPr>
-        <p:spPr>
+        </p:nvPicPr>
+        <p:blipFill>
+          <a:blip r:embed="rId4">
+            <a:extLst>
+              <a:ext uri="{28A0092B-C50C-407E-A947-70E740481C1C}">
+                <a14:useLocalDpi xmlns:a14="http://schemas.microsoft.com/office/drawing/2010/main" val="0"/>
+              </a:ext>
+            </a:extLst>
+          </a:blip>
+          <a:srcRect/>
+          <a:stretch>
+            <a:fillRect/>
+          </a:stretch>
+        </p:blipFill>
+        <p:spPr bwMode="auto">
           <a:xfrm>
-            <a:off x="2539688" y="2213125"/>
-            <a:ext cx="870900" cy="400200"/>
+            <a:off x="811034" y="628925"/>
+            <a:ext cx="7800230" cy="4276878"/>
           </a:xfrm>
           <a:prstGeom prst="rect">
             <a:avLst/>
           </a:prstGeom>
           <a:noFill/>
-          <a:ln>
-            <a:noFill/>
-          </a:ln>
+          <a:extLst>
+            <a:ext uri="{909E8E84-426E-40DD-AFC4-6F175D3DCCD1}">
+              <a14:hiddenFill xmlns:a14="http://schemas.microsoft.com/office/drawing/2010/main">
+                <a:solidFill>
+                  <a:srgbClr val="FFFFFF"/>
+                </a:solidFill>
+              </a14:hiddenFill>
+            </a:ext>
+          </a:extLst>
         </p:spPr>
-        <p:txBody>
-          <a:bodyPr spcFirstLastPara="1" wrap="square" lIns="91425" tIns="91425" rIns="91425" bIns="91425" anchor="t" anchorCtr="0">
-            <a:spAutoFit/>
-          </a:bodyPr>
-          <a:lstStyle/>
-          <a:p>
-            <a:pPr marL="0" lvl="0" indent="0" algn="l" rtl="0">
-              <a:spcBef>
-                <a:spcPts val="0"/>
-              </a:spcBef>
-              <a:spcAft>
-                <a:spcPts val="0"/>
-              </a:spcAft>
-              <a:buNone/>
-            </a:pPr>
-            <a:r>
-              <a:rPr lang="en">
-                <a:solidFill>
-                  <a:srgbClr val="7F7F7F"/>
-                </a:solidFill>
-                <a:latin typeface="Trebuchet MS"/>
-                <a:ea typeface="Trebuchet MS"/>
-                <a:cs typeface="Trebuchet MS"/>
-                <a:sym typeface="Trebuchet MS"/>
-              </a:rPr>
-              <a:t>Arduino</a:t>
-            </a:r>
-            <a:endParaRPr>
-              <a:solidFill>
-                <a:srgbClr val="7F7F7F"/>
-              </a:solidFill>
-              <a:latin typeface="Trebuchet MS"/>
-              <a:ea typeface="Trebuchet MS"/>
-              <a:cs typeface="Trebuchet MS"/>
-              <a:sym typeface="Trebuchet MS"/>
-            </a:endParaRPr>
-          </a:p>
-        </p:txBody>
-      </p:sp>
+      </p:pic>
     </p:spTree>
   </p:cSld>
   <p:clrMapOvr>
@@ -10917,34 +10801,6 @@
           </a:p>
         </p:txBody>
       </p:sp>
-      <p:pic>
-        <p:nvPicPr>
-          <p:cNvPr id="167" name="Google Shape;167;g10e073808a5_0_0"/>
-          <p:cNvPicPr preferRelativeResize="0"/>
-          <p:nvPr/>
-        </p:nvPicPr>
-        <p:blipFill>
-          <a:blip r:embed="rId3">
-            <a:alphaModFix/>
-          </a:blip>
-          <a:stretch>
-            <a:fillRect/>
-          </a:stretch>
-        </p:blipFill>
-        <p:spPr>
-          <a:xfrm>
-            <a:off x="311700" y="1152475"/>
-            <a:ext cx="4260300" cy="3767750"/>
-          </a:xfrm>
-          <a:prstGeom prst="rect">
-            <a:avLst/>
-          </a:prstGeom>
-          <a:noFill/>
-          <a:ln>
-            <a:noFill/>
-          </a:ln>
-        </p:spPr>
-      </p:pic>
       <p:sp>
         <p:nvSpPr>
           <p:cNvPr id="168" name="Google Shape;168;g10e073808a5_0_0"/>
@@ -10990,7 +10846,7 @@
                 <a:latin typeface="Times New Roman" panose="02020603050405020304" pitchFamily="18" charset="0"/>
                 <a:cs typeface="Times New Roman" panose="02020603050405020304" pitchFamily="18" charset="0"/>
               </a:rPr>
-              <a:t>In this Phase, all the data will be collected from different sensors that will be contributing towards predicting AQI level. The collected data will be stored in from Arduino to the database file.</a:t>
+              <a:t>In this Phase, all the data will be collected from different sensors that will be contributing towards predicting AQI level. The collected data will be stored in from Arduino to the ThinkSpeak server.</a:t>
             </a:r>
             <a:endParaRPr dirty="0">
               <a:solidFill>
@@ -11002,6 +10858,53 @@
           </a:p>
         </p:txBody>
       </p:sp>
+      <p:pic>
+        <p:nvPicPr>
+          <p:cNvPr id="2050" name="Picture 2">
+            <a:extLst>
+              <a:ext uri="{FF2B5EF4-FFF2-40B4-BE49-F238E27FC236}">
+                <a16:creationId xmlns:a16="http://schemas.microsoft.com/office/drawing/2014/main" id="{B06EB08D-B0A7-981B-815F-DD585F38C72F}"/>
+              </a:ext>
+            </a:extLst>
+          </p:cNvPr>
+          <p:cNvPicPr>
+            <a:picLocks noChangeAspect="1" noChangeArrowheads="1"/>
+          </p:cNvPicPr>
+          <p:nvPr/>
+        </p:nvPicPr>
+        <p:blipFill>
+          <a:blip r:embed="rId3">
+            <a:extLst>
+              <a:ext uri="{28A0092B-C50C-407E-A947-70E740481C1C}">
+                <a14:useLocalDpi xmlns:a14="http://schemas.microsoft.com/office/drawing/2010/main" val="0"/>
+              </a:ext>
+            </a:extLst>
+          </a:blip>
+          <a:srcRect/>
+          <a:stretch>
+            <a:fillRect/>
+          </a:stretch>
+        </p:blipFill>
+        <p:spPr bwMode="auto">
+          <a:xfrm>
+            <a:off x="0" y="1073426"/>
+            <a:ext cx="4890052" cy="3630199"/>
+          </a:xfrm>
+          <a:prstGeom prst="rect">
+            <a:avLst/>
+          </a:prstGeom>
+          <a:noFill/>
+          <a:extLst>
+            <a:ext uri="{909E8E84-426E-40DD-AFC4-6F175D3DCCD1}">
+              <a14:hiddenFill xmlns:a14="http://schemas.microsoft.com/office/drawing/2010/main">
+                <a:solidFill>
+                  <a:srgbClr val="FFFFFF"/>
+                </a:solidFill>
+              </a14:hiddenFill>
+            </a:ext>
+          </a:extLst>
+        </p:spPr>
+      </p:pic>
     </p:spTree>
   </p:cSld>
   <p:clrMapOvr>
@@ -11361,30 +11264,49 @@
       </p:sp>
       <p:pic>
         <p:nvPicPr>
-          <p:cNvPr id="183" name="Google Shape;183;g10e073808a5_0_16"/>
-          <p:cNvPicPr preferRelativeResize="0"/>
+          <p:cNvPr id="3074" name="Picture 2">
+            <a:extLst>
+              <a:ext uri="{FF2B5EF4-FFF2-40B4-BE49-F238E27FC236}">
+                <a16:creationId xmlns:a16="http://schemas.microsoft.com/office/drawing/2014/main" id="{01818A17-1A50-399B-4586-EEE6B90FE988}"/>
+              </a:ext>
+            </a:extLst>
+          </p:cNvPr>
+          <p:cNvPicPr>
+            <a:picLocks noChangeAspect="1" noChangeArrowheads="1"/>
+          </p:cNvPicPr>
           <p:nvPr/>
         </p:nvPicPr>
         <p:blipFill>
           <a:blip r:embed="rId3">
-            <a:alphaModFix/>
+            <a:extLst>
+              <a:ext uri="{28A0092B-C50C-407E-A947-70E740481C1C}">
+                <a14:useLocalDpi xmlns:a14="http://schemas.microsoft.com/office/drawing/2010/main" val="0"/>
+              </a:ext>
+            </a:extLst>
           </a:blip>
+          <a:srcRect/>
           <a:stretch>
             <a:fillRect/>
           </a:stretch>
         </p:blipFill>
-        <p:spPr>
+        <p:spPr bwMode="auto">
           <a:xfrm>
-            <a:off x="451975" y="913000"/>
-            <a:ext cx="3789149" cy="4023750"/>
+            <a:off x="238540" y="728450"/>
+            <a:ext cx="4187480" cy="4209567"/>
           </a:xfrm>
           <a:prstGeom prst="rect">
             <a:avLst/>
           </a:prstGeom>
           <a:noFill/>
-          <a:ln>
-            <a:noFill/>
-          </a:ln>
+          <a:extLst>
+            <a:ext uri="{909E8E84-426E-40DD-AFC4-6F175D3DCCD1}">
+              <a14:hiddenFill xmlns:a14="http://schemas.microsoft.com/office/drawing/2010/main">
+                <a:solidFill>
+                  <a:srgbClr val="FFFFFF"/>
+                </a:solidFill>
+              </a14:hiddenFill>
+            </a:ext>
+          </a:extLst>
         </p:spPr>
       </p:pic>
     </p:spTree>
@@ -11729,7 +11651,7 @@
         </p:nvSpPr>
         <p:spPr>
           <a:xfrm>
-            <a:off x="311700" y="1152475"/>
+            <a:off x="311700" y="874275"/>
             <a:ext cx="7811700" cy="3745200"/>
           </a:xfrm>
           <a:prstGeom prst="rect">
@@ -11752,7 +11674,7 @@
               </a:lnSpc>
             </a:pPr>
             <a:r>
-              <a:rPr lang="en" sz="1200" b="1" dirty="0">
+              <a:rPr lang="en" sz="1400" b="1" dirty="0">
                 <a:solidFill>
                   <a:schemeClr val="dk1"/>
                 </a:solidFill>
@@ -11783,11 +11705,12 @@
               <a:t>	</a:t>
             </a:r>
             <a:r>
-              <a:rPr lang="en-US" sz="1200" b="0" i="0" u="none" strike="noStrike" baseline="0" dirty="0">
+              <a:rPr lang="en-US" sz="1400" b="0" i="0" u="none" strike="noStrike" baseline="0" dirty="0">
                 <a:solidFill>
                   <a:schemeClr val="tx1"/>
                 </a:solidFill>
-                <a:latin typeface="TimesNewRomanPSMT"/>
+                <a:latin typeface="Times New Roman" panose="02020603050405020304" pitchFamily="18" charset="0"/>
+                <a:cs typeface="Times New Roman" panose="02020603050405020304" pitchFamily="18" charset="0"/>
               </a:rPr>
               <a:t>Operating System : Windows 7 or above / Linux / Mac</a:t>
             </a:r>
@@ -11800,11 +11723,12 @@
               <a:buNone/>
             </a:pPr>
             <a:r>
-              <a:rPr lang="en-IN" sz="1200" b="0" i="0" u="none" strike="noStrike" baseline="0" dirty="0">
+              <a:rPr lang="en-IN" sz="1400" b="0" i="0" u="none" strike="noStrike" baseline="0" dirty="0">
                 <a:solidFill>
                   <a:schemeClr val="tx1"/>
                 </a:solidFill>
-                <a:latin typeface="TimesNewRomanPSMT"/>
+                <a:latin typeface="Times New Roman" panose="02020603050405020304" pitchFamily="18" charset="0"/>
+                <a:cs typeface="Times New Roman" panose="02020603050405020304" pitchFamily="18" charset="0"/>
               </a:rPr>
               <a:t>	Software : Proteus 8</a:t>
             </a:r>
@@ -11817,20 +11741,21 @@
               <a:buNone/>
             </a:pPr>
             <a:r>
-              <a:rPr lang="en-IN" sz="1200" b="0" i="0" u="none" strike="noStrike" baseline="0" dirty="0">
+              <a:rPr lang="en-IN" sz="1400" b="0" i="0" u="none" strike="noStrike" baseline="0" dirty="0">
                 <a:solidFill>
                   <a:schemeClr val="tx1"/>
                 </a:solidFill>
-                <a:latin typeface="TimesNewRomanPSMT"/>
+                <a:latin typeface="Times New Roman" panose="02020603050405020304" pitchFamily="18" charset="0"/>
+                <a:cs typeface="Times New Roman" panose="02020603050405020304" pitchFamily="18" charset="0"/>
               </a:rPr>
               <a:t>	Programming Languages : Python, Sketch</a:t>
             </a:r>
-            <a:endParaRPr lang="en-IN" sz="1200" i="0" u="none" strike="noStrike" baseline="0" dirty="0">
+            <a:endParaRPr lang="en-IN" sz="1400" i="0" u="none" strike="noStrike" baseline="0" dirty="0">
               <a:solidFill>
                 <a:schemeClr val="tx1"/>
               </a:solidFill>
-              <a:latin typeface="Times New Roman"/>
-              <a:cs typeface="Times New Roman"/>
+              <a:latin typeface="Times New Roman" panose="02020603050405020304" pitchFamily="18" charset="0"/>
+              <a:cs typeface="Times New Roman" panose="02020603050405020304" pitchFamily="18" charset="0"/>
               <a:sym typeface="Times New Roman"/>
             </a:endParaRPr>
           </a:p>
@@ -11841,7 +11766,7 @@
               </a:lnSpc>
             </a:pPr>
             <a:r>
-              <a:rPr lang="en" sz="1200" b="1" dirty="0">
+              <a:rPr lang="en" sz="1400" b="1" dirty="0">
                 <a:solidFill>
                   <a:schemeClr val="dk1"/>
                 </a:solidFill>
@@ -11850,13 +11775,25 @@
                 <a:cs typeface="Times New Roman"/>
                 <a:sym typeface="Times New Roman"/>
               </a:rPr>
-              <a:t>Hardware Requirements:</a:t>
+              <a:t>Hardware Requirements</a:t>
+            </a:r>
+            <a:r>
+              <a:rPr lang="en" sz="1200" b="1" dirty="0">
+                <a:solidFill>
+                  <a:schemeClr val="dk1"/>
+                </a:solidFill>
+                <a:latin typeface="Times New Roman"/>
+                <a:ea typeface="Times New Roman"/>
+                <a:cs typeface="Times New Roman"/>
+                <a:sym typeface="Times New Roman"/>
+              </a:rPr>
+              <a:t>:</a:t>
             </a:r>
           </a:p>
           <a:p>
             <a:pPr marL="0" lvl="0" indent="0" algn="just" rtl="0">
               <a:lnSpc>
-                <a:spcPct val="170000"/>
+                <a:spcPct val="150000"/>
               </a:lnSpc>
               <a:spcBef>
                 <a:spcPts val="1200"/>
@@ -11878,11 +11815,12 @@
               <a:t>	</a:t>
             </a:r>
             <a:r>
-              <a:rPr lang="en-US" sz="1200" b="0" i="0" u="none" strike="noStrike" baseline="0" dirty="0">
+              <a:rPr lang="en-US" sz="1400" b="0" i="0" u="none" strike="noStrike" baseline="0" dirty="0">
                 <a:solidFill>
                   <a:schemeClr val="tx1"/>
                 </a:solidFill>
-                <a:latin typeface="TimesNewRomanPSMT"/>
+                <a:latin typeface="Times New Roman" panose="02020603050405020304" pitchFamily="18" charset="0"/>
+                <a:cs typeface="Times New Roman" panose="02020603050405020304" pitchFamily="18" charset="0"/>
               </a:rPr>
               <a:t>Hard Disk : 8 GB or more</a:t>
             </a:r>
@@ -11890,16 +11828,17 @@
           <a:p>
             <a:pPr marL="114300" indent="0" algn="just">
               <a:lnSpc>
-                <a:spcPct val="170000"/>
+                <a:spcPct val="150000"/>
               </a:lnSpc>
               <a:buNone/>
             </a:pPr>
             <a:r>
-              <a:rPr lang="en-US" sz="1200" b="0" i="0" u="none" strike="noStrike" baseline="0" dirty="0">
+              <a:rPr lang="en-US" sz="1400" b="0" i="0" u="none" strike="noStrike" baseline="0" dirty="0">
                 <a:solidFill>
                   <a:schemeClr val="tx1"/>
                 </a:solidFill>
-                <a:latin typeface="TimesNewRomanPSMT"/>
+                <a:latin typeface="Times New Roman" panose="02020603050405020304" pitchFamily="18" charset="0"/>
+                <a:cs typeface="Times New Roman" panose="02020603050405020304" pitchFamily="18" charset="0"/>
               </a:rPr>
               <a:t>	Ram : 4 GB RAM and above</a:t>
             </a:r>
@@ -11907,16 +11846,17 @@
           <a:p>
             <a:pPr marL="114300" indent="0" algn="just">
               <a:lnSpc>
-                <a:spcPct val="170000"/>
+                <a:spcPct val="150000"/>
               </a:lnSpc>
               <a:buNone/>
             </a:pPr>
             <a:r>
-              <a:rPr lang="en-US" sz="1200" b="0" i="0" u="none" strike="noStrike" baseline="0" dirty="0">
+              <a:rPr lang="en-US" sz="1400" b="0" i="0" u="none" strike="noStrike" baseline="0" dirty="0">
                 <a:solidFill>
                   <a:schemeClr val="tx1"/>
                 </a:solidFill>
-                <a:latin typeface="TimesNewRomanPSMT"/>
+                <a:latin typeface="Times New Roman" panose="02020603050405020304" pitchFamily="18" charset="0"/>
+                <a:cs typeface="Times New Roman" panose="02020603050405020304" pitchFamily="18" charset="0"/>
               </a:rPr>
               <a:t>	Processor : Intel i5 and above</a:t>
             </a:r>
@@ -11924,16 +11864,17 @@
           <a:p>
             <a:pPr marL="114300" indent="0" algn="just">
               <a:lnSpc>
-                <a:spcPct val="170000"/>
+                <a:spcPct val="150000"/>
               </a:lnSpc>
               <a:buNone/>
             </a:pPr>
             <a:r>
-              <a:rPr lang="en-IN" sz="1200" b="0" i="0" u="none" strike="noStrike" baseline="0" dirty="0">
+              <a:rPr lang="en-IN" sz="1400" b="0" i="0" u="none" strike="noStrike" baseline="0" dirty="0">
                 <a:solidFill>
                   <a:schemeClr val="tx1"/>
                 </a:solidFill>
-                <a:latin typeface="TimesNewRomanPSMT"/>
+                <a:latin typeface="Times New Roman" panose="02020603050405020304" pitchFamily="18" charset="0"/>
+                <a:cs typeface="Times New Roman" panose="02020603050405020304" pitchFamily="18" charset="0"/>
               </a:rPr>
               <a:t>	Microcontroller : Arduino Uno</a:t>
             </a:r>
@@ -11941,41 +11882,20 @@
           <a:p>
             <a:pPr marL="114300" indent="0" algn="just">
               <a:lnSpc>
-                <a:spcPct val="170000"/>
+                <a:spcPct val="150000"/>
               </a:lnSpc>
               <a:buNone/>
             </a:pPr>
             <a:r>
-              <a:rPr lang="en-US" sz="1200" b="0" i="0" u="none" strike="noStrike" baseline="0" dirty="0">
+              <a:rPr lang="en-US" sz="1400" b="0" i="0" u="none" strike="noStrike" baseline="0" dirty="0">
                 <a:solidFill>
                   <a:schemeClr val="tx1"/>
                 </a:solidFill>
-                <a:latin typeface="TimesNewRomanPSMT"/>
+                <a:latin typeface="Times New Roman" panose="02020603050405020304" pitchFamily="18" charset="0"/>
+                <a:cs typeface="Times New Roman" panose="02020603050405020304" pitchFamily="18" charset="0"/>
               </a:rPr>
               <a:t>	Processor Speed : 1.5 GHz or higher</a:t>
             </a:r>
-          </a:p>
-          <a:p>
-            <a:pPr marL="114300" indent="0" algn="just">
-              <a:lnSpc>
-                <a:spcPct val="170000"/>
-              </a:lnSpc>
-              <a:buNone/>
-            </a:pPr>
-            <a:r>
-              <a:rPr lang="en-IN" sz="1200" b="0" i="0" u="none" strike="noStrike" baseline="0" dirty="0">
-                <a:solidFill>
-                  <a:schemeClr val="tx1"/>
-                </a:solidFill>
-                <a:latin typeface="TimesNewRomanPSMT"/>
-              </a:rPr>
-              <a:t>	Sensors : PMS5003, MQ 135, MQ 7, MQ 137, DHT 11, ESP8266, Jumper Wires, Resistors</a:t>
-            </a:r>
-            <a:endParaRPr sz="1200" dirty="0">
-              <a:solidFill>
-                <a:schemeClr val="tx1"/>
-              </a:solidFill>
-            </a:endParaRPr>
           </a:p>
         </p:txBody>
       </p:sp>
@@ -13206,7 +13126,7 @@
                 <a:cs typeface="Times New Roman" panose="02020603050405020304" pitchFamily="18" charset="0"/>
                 <a:sym typeface="Times New Roman"/>
               </a:rPr>
-              <a:t>With the help of emerging technology of machine learning, collected data will be trained into a model which predict the air quality for various chronic diseases like lung cancer, stroke, asthma, bronchitis, etc.</a:t>
+              <a:t>With the help of emerging technology of machine learning, collected data will be trained into a model which predict the PM2.5 concentration and air quality index.</a:t>
             </a:r>
             <a:endParaRPr sz="1800" dirty="0">
               <a:latin typeface="Times New Roman" panose="02020603050405020304" pitchFamily="18" charset="0"/>
@@ -13509,7 +13429,7 @@
                 <a:latin typeface="Times New Roman" panose="02020603050405020304" pitchFamily="18" charset="0"/>
                 <a:cs typeface="Times New Roman" panose="02020603050405020304" pitchFamily="18" charset="0"/>
               </a:rPr>
-              <a:t>Using the stored data values to predict PM2.5 (Particulate Matter) concentration and get the AQI level and then even show what kind of diseases are prone to with such level of concentration.</a:t>
+              <a:t>Using the stored data values to predict PM2.5 (Particulate Matter) concentration and get the AQI level</a:t>
             </a:r>
             <a:endParaRPr dirty="0">
               <a:solidFill>
@@ -14270,7 +14190,7 @@
         <p:spPr/>
         <p:txBody>
           <a:bodyPr>
-            <a:normAutofit fontScale="92500" lnSpcReduction="10000"/>
+            <a:normAutofit/>
           </a:bodyPr>
           <a:lstStyle/>
           <a:p>
@@ -14309,20 +14229,7 @@
                 <a:latin typeface="Times New Roman" panose="02020603050405020304" pitchFamily="18" charset="0"/>
                 <a:cs typeface="Times New Roman" panose="02020603050405020304" pitchFamily="18" charset="0"/>
               </a:rPr>
-              <a:t>The project will also co relate various environmental conditions like temperature, humidity, pressure, sound etc. with the concentration of the pollutants.</a:t>
-            </a:r>
-          </a:p>
-          <a:p>
-            <a:pPr algn="just"/>
-            <a:r>
-              <a:rPr lang="en-IN" dirty="0">
-                <a:solidFill>
-                  <a:schemeClr val="tx1"/>
-                </a:solidFill>
-                <a:latin typeface="Times New Roman" panose="02020603050405020304" pitchFamily="18" charset="0"/>
-                <a:cs typeface="Times New Roman" panose="02020603050405020304" pitchFamily="18" charset="0"/>
-              </a:rPr>
-              <a:t>Lastly the gathered data can eventually tell us what kind of diseases are likely to be caused with prolonged exposure to such levels of concentration.</a:t>
+              <a:t>The project will also co relate various environmental conditions like temperature, humidity, pressure, etc. with the concentration of the pollutants.</a:t>
             </a:r>
           </a:p>
         </p:txBody>
